--- a/narrative.medicine/presentation.pptx
+++ b/narrative.medicine/presentation.pptx
@@ -2991,12 +2991,8 @@
           <a:lstStyle/>
           <a:p>
             <a:r>
-              <a:rPr lang="en-US" smtClean="0"/>
-              <a:t>I </a:t>
-            </a:r>
-            <a:r>
               <a:rPr lang="en-US" dirty="0" smtClean="0"/>
-              <a:t>am my identities</a:t>
+              <a:t>I am my identities</a:t>
             </a:r>
             <a:endParaRPr lang="en-US" dirty="0"/>
           </a:p>
@@ -3607,12 +3603,16 @@
           <a:lstStyle/>
           <a:p>
             <a:r>
+              <a:rPr lang="en-US" dirty="0" smtClean="0"/>
+              <a:t>“I </a:t>
+            </a:r>
+            <a:r>
               <a:rPr lang="en-US" dirty="0"/>
-              <a:t>I realized slowly that my task as an internist was to develop the skills required to absorb my patients’ multiple, often contradictory, stories of illness</a:t>
+              <a:t>realized slowly that my task as an internist was to develop the skills required to absorb my patients’ multiple, often contradictory, stories of illness</a:t>
             </a:r>
             <a:r>
               <a:rPr lang="en-US" dirty="0" smtClean="0"/>
-              <a:t>.</a:t>
+              <a:t>.”</a:t>
             </a:r>
           </a:p>
           <a:p>
@@ -3716,12 +3716,16 @@
           <a:lstStyle/>
           <a:p>
             <a:r>
+              <a:rPr lang="en-US" dirty="0" smtClean="0"/>
+              <a:t>“In </a:t>
+            </a:r>
+            <a:r>
               <a:rPr lang="en-US" dirty="0"/>
-              <a:t>In settings as diverse as ward medicine attending rounds, staff meetings on the adult oncology in-patient service, the AIDS clinic, and home visit programs, we meet with health care professionals to read and to write, to attend to and to represent all that occurs in these lives led among the sick. As a result, we deepen our students’ capacity to hear what their patients tell </a:t>
+              <a:t>settings as diverse as ward medicine attending rounds, staff meetings on the adult oncology in-patient service, the AIDS clinic, and home visit programs, we meet with health care professionals to read and to write, to attend to and to represent all that occurs in these lives led among the sick. As a result, we deepen our students’ capacity to hear what their patients tell </a:t>
             </a:r>
             <a:r>
               <a:rPr lang="en-US" dirty="0" smtClean="0"/>
-              <a:t>them.</a:t>
+              <a:t>them.”</a:t>
             </a:r>
           </a:p>
           <a:p>
